--- a/FinalProject/AutomobilePrediction.pptx
+++ b/FinalProject/AutomobilePrediction.pptx
@@ -112,6 +112,11 @@
       </a:defRPr>
     </a:lvl9pPr>
   </p:defaultTextStyle>
+  <p:extLst>
+    <p:ext uri="{EFAFB233-063F-42B5-8137-9DF3F51BA10A}">
+      <p15:sldGuideLst xmlns:p15="http://schemas.microsoft.com/office/powerpoint/2012/main"/>
+    </p:ext>
+  </p:extLst>
 </p:presentation>
 </file>
 
@@ -197,7 +202,7 @@
           <a:p>
             <a:fld id="{5E0D4016-8658-BB46-86E5-FC4A28FCB207}" type="datetimeFigureOut">
               <a:rPr lang="en-US" smtClean="0"/>
-              <a:t>5/1/20</a:t>
+              <a:t>5/10/20</a:t>
             </a:fld>
             <a:endParaRPr lang="en-US"/>
           </a:p>
@@ -508,7 +513,28 @@
           <a:bodyPr/>
           <a:lstStyle/>
           <a:p>
-            <a:endParaRPr lang="en-US" dirty="0"/>
+            <a:r>
+              <a:rPr lang="en-US" dirty="0"/>
+              <a:t>205 rows</a:t>
+            </a:r>
+          </a:p>
+          <a:p>
+            <a:r>
+              <a:rPr lang="en-US" dirty="0"/>
+              <a:t>59 “?’s”</a:t>
+            </a:r>
+          </a:p>
+          <a:p>
+            <a:r>
+              <a:rPr lang="en-US" dirty="0"/>
+              <a:t>27 outliers</a:t>
+            </a:r>
+          </a:p>
+          <a:p>
+            <a:r>
+              <a:rPr lang="en-US" dirty="0"/>
+              <a:t>176 rows remaining</a:t>
+            </a:r>
           </a:p>
         </p:txBody>
       </p:sp>
@@ -539,6 +565,90 @@
     <p:extLst>
       <p:ext uri="{BB962C8B-B14F-4D97-AF65-F5344CB8AC3E}">
         <p14:creationId xmlns:p14="http://schemas.microsoft.com/office/powerpoint/2010/main" val="351040606"/>
+      </p:ext>
+    </p:extLst>
+  </p:cSld>
+  <p:clrMapOvr>
+    <a:masterClrMapping/>
+  </p:clrMapOvr>
+</p:notes>
+</file>
+
+<file path=ppt/notesSlides/notesSlide2.xml><?xml version="1.0" encoding="utf-8"?>
+<p:notes xmlns:a="http://schemas.openxmlformats.org/drawingml/2006/main" xmlns:r="http://schemas.openxmlformats.org/officeDocument/2006/relationships" xmlns:p="http://schemas.openxmlformats.org/presentationml/2006/main">
+  <p:cSld>
+    <p:spTree>
+      <p:nvGrpSpPr>
+        <p:cNvPr id="1" name=""/>
+        <p:cNvGrpSpPr/>
+        <p:nvPr/>
+      </p:nvGrpSpPr>
+      <p:grpSpPr>
+        <a:xfrm>
+          <a:off x="0" y="0"/>
+          <a:ext cx="0" cy="0"/>
+          <a:chOff x="0" y="0"/>
+          <a:chExt cx="0" cy="0"/>
+        </a:xfrm>
+      </p:grpSpPr>
+      <p:sp>
+        <p:nvSpPr>
+          <p:cNvPr id="2" name="Slide Image Placeholder 1"/>
+          <p:cNvSpPr>
+            <a:spLocks noGrp="1" noRot="1" noChangeAspect="1"/>
+          </p:cNvSpPr>
+          <p:nvPr>
+            <p:ph type="sldImg"/>
+          </p:nvPr>
+        </p:nvSpPr>
+        <p:spPr/>
+      </p:sp>
+      <p:sp>
+        <p:nvSpPr>
+          <p:cNvPr id="3" name="Notes Placeholder 2"/>
+          <p:cNvSpPr>
+            <a:spLocks noGrp="1"/>
+          </p:cNvSpPr>
+          <p:nvPr>
+            <p:ph type="body" idx="1"/>
+          </p:nvPr>
+        </p:nvSpPr>
+        <p:spPr/>
+        <p:txBody>
+          <a:bodyPr/>
+          <a:lstStyle/>
+          <a:p>
+            <a:endParaRPr lang="en-US" dirty="0"/>
+          </a:p>
+        </p:txBody>
+      </p:sp>
+      <p:sp>
+        <p:nvSpPr>
+          <p:cNvPr id="4" name="Slide Number Placeholder 3"/>
+          <p:cNvSpPr>
+            <a:spLocks noGrp="1"/>
+          </p:cNvSpPr>
+          <p:nvPr>
+            <p:ph type="sldNum" sz="quarter" idx="5"/>
+          </p:nvPr>
+        </p:nvSpPr>
+        <p:spPr/>
+        <p:txBody>
+          <a:bodyPr/>
+          <a:lstStyle/>
+          <a:p>
+            <a:fld id="{A745BA79-3F44-2C4B-8CEA-FBBFF3AE4D01}" type="slidenum">
+              <a:rPr lang="en-US" smtClean="0"/>
+              <a:t>3</a:t>
+            </a:fld>
+            <a:endParaRPr lang="en-US"/>
+          </a:p>
+        </p:txBody>
+      </p:sp>
+    </p:spTree>
+    <p:extLst>
+      <p:ext uri="{BB962C8B-B14F-4D97-AF65-F5344CB8AC3E}">
+        <p14:creationId xmlns:p14="http://schemas.microsoft.com/office/powerpoint/2010/main" val="227137056"/>
       </p:ext>
     </p:extLst>
   </p:cSld>
@@ -772,7 +882,7 @@
           <a:p>
             <a:fld id="{C0218A37-50AE-3F43-A66F-DBD547554B91}" type="datetimeFigureOut">
               <a:rPr lang="en-US" smtClean="0"/>
-              <a:t>5/1/20</a:t>
+              <a:t>5/10/20</a:t>
             </a:fld>
             <a:endParaRPr lang="en-US"/>
           </a:p>
@@ -942,7 +1052,7 @@
           <a:p>
             <a:fld id="{C0218A37-50AE-3F43-A66F-DBD547554B91}" type="datetimeFigureOut">
               <a:rPr lang="en-US" smtClean="0"/>
-              <a:t>5/1/20</a:t>
+              <a:t>5/10/20</a:t>
             </a:fld>
             <a:endParaRPr lang="en-US"/>
           </a:p>
@@ -1122,7 +1232,7 @@
           <a:p>
             <a:fld id="{C0218A37-50AE-3F43-A66F-DBD547554B91}" type="datetimeFigureOut">
               <a:rPr lang="en-US" smtClean="0"/>
-              <a:t>5/1/20</a:t>
+              <a:t>5/10/20</a:t>
             </a:fld>
             <a:endParaRPr lang="en-US"/>
           </a:p>
@@ -1292,7 +1402,7 @@
           <a:p>
             <a:fld id="{C0218A37-50AE-3F43-A66F-DBD547554B91}" type="datetimeFigureOut">
               <a:rPr lang="en-US" smtClean="0"/>
-              <a:t>5/1/20</a:t>
+              <a:t>5/10/20</a:t>
             </a:fld>
             <a:endParaRPr lang="en-US"/>
           </a:p>
@@ -1550,7 +1660,7 @@
           <a:p>
             <a:fld id="{C0218A37-50AE-3F43-A66F-DBD547554B91}" type="datetimeFigureOut">
               <a:rPr lang="en-US" smtClean="0"/>
-              <a:t>5/1/20</a:t>
+              <a:t>5/10/20</a:t>
             </a:fld>
             <a:endParaRPr lang="en-US"/>
           </a:p>
@@ -1838,7 +1948,7 @@
           <a:p>
             <a:fld id="{C0218A37-50AE-3F43-A66F-DBD547554B91}" type="datetimeFigureOut">
               <a:rPr lang="en-US" smtClean="0"/>
-              <a:t>5/1/20</a:t>
+              <a:t>5/10/20</a:t>
             </a:fld>
             <a:endParaRPr lang="en-US"/>
           </a:p>
@@ -2280,7 +2390,7 @@
           <a:p>
             <a:fld id="{C0218A37-50AE-3F43-A66F-DBD547554B91}" type="datetimeFigureOut">
               <a:rPr lang="en-US" smtClean="0"/>
-              <a:t>5/1/20</a:t>
+              <a:t>5/10/20</a:t>
             </a:fld>
             <a:endParaRPr lang="en-US"/>
           </a:p>
@@ -2398,7 +2508,7 @@
           <a:p>
             <a:fld id="{C0218A37-50AE-3F43-A66F-DBD547554B91}" type="datetimeFigureOut">
               <a:rPr lang="en-US" smtClean="0"/>
-              <a:t>5/1/20</a:t>
+              <a:t>5/10/20</a:t>
             </a:fld>
             <a:endParaRPr lang="en-US"/>
           </a:p>
@@ -2493,7 +2603,7 @@
           <a:p>
             <a:fld id="{C0218A37-50AE-3F43-A66F-DBD547554B91}" type="datetimeFigureOut">
               <a:rPr lang="en-US" smtClean="0"/>
-              <a:t>5/1/20</a:t>
+              <a:t>5/10/20</a:t>
             </a:fld>
             <a:endParaRPr lang="en-US"/>
           </a:p>
@@ -2781,7 +2891,7 @@
           <a:p>
             <a:fld id="{C0218A37-50AE-3F43-A66F-DBD547554B91}" type="datetimeFigureOut">
               <a:rPr lang="en-US" smtClean="0"/>
-              <a:t>5/1/20</a:t>
+              <a:t>5/10/20</a:t>
             </a:fld>
             <a:endParaRPr lang="en-US"/>
           </a:p>
@@ -3054,7 +3164,7 @@
           <a:p>
             <a:fld id="{C0218A37-50AE-3F43-A66F-DBD547554B91}" type="datetimeFigureOut">
               <a:rPr lang="en-US" smtClean="0"/>
-              <a:t>5/1/20</a:t>
+              <a:t>5/10/20</a:t>
             </a:fld>
             <a:endParaRPr lang="en-US"/>
           </a:p>
@@ -3351,7 +3461,7 @@
           <a:p>
             <a:fld id="{C0218A37-50AE-3F43-A66F-DBD547554B91}" type="datetimeFigureOut">
               <a:rPr lang="en-US" smtClean="0"/>
-              <a:t>5/1/20</a:t>
+              <a:t>5/10/20</a:t>
             </a:fld>
             <a:endParaRPr lang="en-US"/>
           </a:p>
@@ -3968,7 +4078,12 @@
             <p:ph idx="1"/>
           </p:nvPr>
         </p:nvSpPr>
-        <p:spPr/>
+        <p:spPr>
+          <a:xfrm>
+            <a:off x="3869268" y="2744170"/>
+            <a:ext cx="4926994" cy="3240578"/>
+          </a:xfrm>
+        </p:spPr>
         <p:txBody>
           <a:bodyPr/>
           <a:lstStyle/>
@@ -3981,11 +4096,77 @@
           <a:p>
             <a:r>
               <a:rPr lang="en-US" dirty="0"/>
+              <a:t>Remove outliers</a:t>
+            </a:r>
+          </a:p>
+          <a:p>
+            <a:r>
+              <a:rPr lang="en-US" dirty="0"/>
               <a:t>Get 3 PCA values</a:t>
             </a:r>
           </a:p>
         </p:txBody>
       </p:sp>
+      <p:pic>
+        <p:nvPicPr>
+          <p:cNvPr id="5" name="Picture 4">
+            <a:extLst>
+              <a:ext uri="{FF2B5EF4-FFF2-40B4-BE49-F238E27FC236}">
+                <a16:creationId xmlns:a16="http://schemas.microsoft.com/office/drawing/2014/main" id="{2B94A1AA-C316-E949-A57D-961F5924C38F}"/>
+              </a:ext>
+            </a:extLst>
+          </p:cNvPr>
+          <p:cNvPicPr>
+            <a:picLocks noChangeAspect="1"/>
+          </p:cNvPicPr>
+          <p:nvPr/>
+        </p:nvPicPr>
+        <p:blipFill>
+          <a:blip r:embed="rId3"/>
+          <a:stretch>
+            <a:fillRect/>
+          </a:stretch>
+        </p:blipFill>
+        <p:spPr>
+          <a:xfrm>
+            <a:off x="3615873" y="864108"/>
+            <a:ext cx="7821989" cy="1880062"/>
+          </a:xfrm>
+          <a:prstGeom prst="rect">
+            <a:avLst/>
+          </a:prstGeom>
+        </p:spPr>
+      </p:pic>
+      <p:pic>
+        <p:nvPicPr>
+          <p:cNvPr id="7" name="Picture 6">
+            <a:extLst>
+              <a:ext uri="{FF2B5EF4-FFF2-40B4-BE49-F238E27FC236}">
+                <a16:creationId xmlns:a16="http://schemas.microsoft.com/office/drawing/2014/main" id="{3BE5513C-A968-4040-9C91-334BD177B322}"/>
+              </a:ext>
+            </a:extLst>
+          </p:cNvPr>
+          <p:cNvPicPr>
+            <a:picLocks noChangeAspect="1"/>
+          </p:cNvPicPr>
+          <p:nvPr/>
+        </p:nvPicPr>
+        <p:blipFill>
+          <a:blip r:embed="rId4"/>
+          <a:stretch>
+            <a:fillRect/>
+          </a:stretch>
+        </p:blipFill>
+        <p:spPr>
+          <a:xfrm>
+            <a:off x="8796262" y="3081182"/>
+            <a:ext cx="2641600" cy="3086100"/>
+          </a:xfrm>
+          <a:prstGeom prst="rect">
+            <a:avLst/>
+          </a:prstGeom>
+        </p:spPr>
+      </p:pic>
     </p:spTree>
     <p:extLst>
       <p:ext uri="{BB962C8B-B14F-4D97-AF65-F5344CB8AC3E}">
@@ -4044,58 +4225,493 @@
           </a:p>
         </p:txBody>
       </p:sp>
-      <p:sp>
-        <p:nvSpPr>
-          <p:cNvPr id="3" name="Content Placeholder 2">
+      <p:pic>
+        <p:nvPicPr>
+          <p:cNvPr id="5" name="Picture 4">
             <a:extLst>
               <a:ext uri="{FF2B5EF4-FFF2-40B4-BE49-F238E27FC236}">
-                <a16:creationId xmlns:a16="http://schemas.microsoft.com/office/drawing/2014/main" id="{C707B23E-F13D-F54A-B1B1-30FF8DCCA0BD}"/>
+                <a16:creationId xmlns:a16="http://schemas.microsoft.com/office/drawing/2014/main" id="{4F6D5356-DE78-4241-B00F-C7DD42316646}"/>
               </a:ext>
             </a:extLst>
           </p:cNvPr>
-          <p:cNvSpPr>
-            <a:spLocks noGrp="1"/>
-          </p:cNvSpPr>
-          <p:nvPr>
-            <p:ph idx="1"/>
-          </p:nvPr>
-        </p:nvSpPr>
-        <p:spPr/>
-        <p:txBody>
-          <a:bodyPr/>
-          <a:lstStyle/>
-          <a:p>
-            <a:r>
-              <a:rPr lang="en-US" dirty="0"/>
-              <a:t>Linear Regression</a:t>
-            </a:r>
-          </a:p>
-          <a:p>
-            <a:r>
-              <a:rPr lang="en-US" dirty="0"/>
-              <a:t>Logistic Regression</a:t>
-            </a:r>
-          </a:p>
-          <a:p>
-            <a:r>
-              <a:rPr lang="en-US" dirty="0"/>
-              <a:t>Binary Classification</a:t>
-            </a:r>
-          </a:p>
-          <a:p>
-            <a:r>
-              <a:rPr lang="en-US" dirty="0"/>
-              <a:t>k-Nearest Neighbors</a:t>
-            </a:r>
-          </a:p>
-          <a:p>
-            <a:r>
-              <a:rPr lang="en-US" dirty="0"/>
-              <a:t>Decision Trees</a:t>
-            </a:r>
-          </a:p>
-        </p:txBody>
-      </p:sp>
+          <p:cNvPicPr>
+            <a:picLocks noChangeAspect="1"/>
+          </p:cNvPicPr>
+          <p:nvPr/>
+        </p:nvPicPr>
+        <p:blipFill>
+          <a:blip r:embed="rId3"/>
+          <a:stretch>
+            <a:fillRect/>
+          </a:stretch>
+        </p:blipFill>
+        <p:spPr>
+          <a:xfrm>
+            <a:off x="4257521" y="298412"/>
+            <a:ext cx="6756400" cy="3924300"/>
+          </a:xfrm>
+          <a:prstGeom prst="rect">
+            <a:avLst/>
+          </a:prstGeom>
+        </p:spPr>
+      </p:pic>
+      <p:graphicFrame>
+        <p:nvGraphicFramePr>
+          <p:cNvPr id="6" name="Table 5">
+            <a:extLst>
+              <a:ext uri="{FF2B5EF4-FFF2-40B4-BE49-F238E27FC236}">
+                <a16:creationId xmlns:a16="http://schemas.microsoft.com/office/drawing/2014/main" id="{0C9DADE7-3CC9-4C45-95C9-6D65E3AB5BC6}"/>
+              </a:ext>
+            </a:extLst>
+          </p:cNvPr>
+          <p:cNvGraphicFramePr>
+            <a:graphicFrameLocks noGrp="1"/>
+          </p:cNvGraphicFramePr>
+          <p:nvPr>
+            <p:extLst>
+              <p:ext uri="{D42A27DB-BD31-4B8C-83A1-F6EECF244321}">
+                <p14:modId xmlns:p14="http://schemas.microsoft.com/office/powerpoint/2010/main" val="3746242927"/>
+              </p:ext>
+            </p:extLst>
+          </p:nvPr>
+        </p:nvGraphicFramePr>
+        <p:xfrm>
+          <a:off x="4152292" y="4222712"/>
+          <a:ext cx="6966858" cy="1819912"/>
+        </p:xfrm>
+        <a:graphic>
+          <a:graphicData uri="http://schemas.openxmlformats.org/drawingml/2006/table">
+            <a:tbl>
+              <a:tblPr>
+                <a:tableStyleId>{5C22544A-7EE6-4342-B048-85BDC9FD1C3A}</a:tableStyleId>
+              </a:tblPr>
+              <a:tblGrid>
+                <a:gridCol w="2322286">
+                  <a:extLst>
+                    <a:ext uri="{9D8B030D-6E8A-4147-A177-3AD203B41FA5}">
+                      <a16:colId xmlns:a16="http://schemas.microsoft.com/office/drawing/2014/main" val="2488856902"/>
+                    </a:ext>
+                  </a:extLst>
+                </a:gridCol>
+                <a:gridCol w="2322286">
+                  <a:extLst>
+                    <a:ext uri="{9D8B030D-6E8A-4147-A177-3AD203B41FA5}">
+                      <a16:colId xmlns:a16="http://schemas.microsoft.com/office/drawing/2014/main" val="1391737581"/>
+                    </a:ext>
+                  </a:extLst>
+                </a:gridCol>
+                <a:gridCol w="2322286">
+                  <a:extLst>
+                    <a:ext uri="{9D8B030D-6E8A-4147-A177-3AD203B41FA5}">
+                      <a16:colId xmlns:a16="http://schemas.microsoft.com/office/drawing/2014/main" val="1869948324"/>
+                    </a:ext>
+                  </a:extLst>
+                </a:gridCol>
+              </a:tblGrid>
+              <a:tr h="403009">
+                <a:tc>
+                  <a:txBody>
+                    <a:bodyPr/>
+                    <a:lstStyle/>
+                    <a:p>
+                      <a:pPr marL="0" marR="0">
+                        <a:lnSpc>
+                          <a:spcPct val="115000"/>
+                        </a:lnSpc>
+                        <a:spcBef>
+                          <a:spcPts val="0"/>
+                        </a:spcBef>
+                        <a:spcAft>
+                          <a:spcPts val="0"/>
+                        </a:spcAft>
+                      </a:pPr>
+                      <a:r>
+                        <a:rPr lang="en-US" sz="2000">
+                          <a:effectLst/>
+                        </a:rPr>
+                        <a:t>Algorithm</a:t>
+                      </a:r>
+                      <a:endParaRPr lang="en-US" sz="2000">
+                        <a:effectLst/>
+                        <a:latin typeface="Arial" panose="020B0604020202020204" pitchFamily="34" charset="0"/>
+                        <a:ea typeface="Arial" panose="020B0604020202020204" pitchFamily="34" charset="0"/>
+                      </a:endParaRPr>
+                    </a:p>
+                  </a:txBody>
+                  <a:tcPr marL="63500" marR="63500" marT="63500" marB="63500"/>
+                </a:tc>
+                <a:tc>
+                  <a:txBody>
+                    <a:bodyPr/>
+                    <a:lstStyle/>
+                    <a:p>
+                      <a:pPr marL="0" marR="0">
+                        <a:lnSpc>
+                          <a:spcPct val="115000"/>
+                        </a:lnSpc>
+                        <a:spcBef>
+                          <a:spcPts val="0"/>
+                        </a:spcBef>
+                        <a:spcAft>
+                          <a:spcPts val="0"/>
+                        </a:spcAft>
+                      </a:pPr>
+                      <a:r>
+                        <a:rPr lang="en-US" sz="2000">
+                          <a:effectLst/>
+                        </a:rPr>
+                        <a:t>Domain-Expert</a:t>
+                      </a:r>
+                      <a:endParaRPr lang="en-US" sz="2000">
+                        <a:effectLst/>
+                        <a:latin typeface="Arial" panose="020B0604020202020204" pitchFamily="34" charset="0"/>
+                        <a:ea typeface="Arial" panose="020B0604020202020204" pitchFamily="34" charset="0"/>
+                      </a:endParaRPr>
+                    </a:p>
+                  </a:txBody>
+                  <a:tcPr marL="63500" marR="63500" marT="63500" marB="63500"/>
+                </a:tc>
+                <a:tc>
+                  <a:txBody>
+                    <a:bodyPr/>
+                    <a:lstStyle/>
+                    <a:p>
+                      <a:pPr marL="0" marR="0">
+                        <a:lnSpc>
+                          <a:spcPct val="115000"/>
+                        </a:lnSpc>
+                        <a:spcBef>
+                          <a:spcPts val="0"/>
+                        </a:spcBef>
+                        <a:spcAft>
+                          <a:spcPts val="0"/>
+                        </a:spcAft>
+                      </a:pPr>
+                      <a:r>
+                        <a:rPr lang="en-US" sz="2000" dirty="0">
+                          <a:effectLst/>
+                        </a:rPr>
+                        <a:t>PCA</a:t>
+                      </a:r>
+                      <a:endParaRPr lang="en-US" sz="2000" dirty="0">
+                        <a:effectLst/>
+                        <a:latin typeface="Arial" panose="020B0604020202020204" pitchFamily="34" charset="0"/>
+                        <a:ea typeface="Arial" panose="020B0604020202020204" pitchFamily="34" charset="0"/>
+                      </a:endParaRPr>
+                    </a:p>
+                  </a:txBody>
+                  <a:tcPr marL="63500" marR="63500" marT="63500" marB="63500"/>
+                </a:tc>
+                <a:extLst>
+                  <a:ext uri="{0D108BD9-81ED-4DB2-BD59-A6C34878D82A}">
+                    <a16:rowId xmlns:a16="http://schemas.microsoft.com/office/drawing/2014/main" val="2567115940"/>
+                  </a:ext>
+                </a:extLst>
+              </a:tr>
+              <a:tr h="403009">
+                <a:tc>
+                  <a:txBody>
+                    <a:bodyPr/>
+                    <a:lstStyle/>
+                    <a:p>
+                      <a:pPr marL="0" marR="0">
+                        <a:lnSpc>
+                          <a:spcPct val="115000"/>
+                        </a:lnSpc>
+                        <a:spcBef>
+                          <a:spcPts val="0"/>
+                        </a:spcBef>
+                        <a:spcAft>
+                          <a:spcPts val="0"/>
+                        </a:spcAft>
+                      </a:pPr>
+                      <a:r>
+                        <a:rPr lang="en-US" sz="2000">
+                          <a:effectLst/>
+                        </a:rPr>
+                        <a:t>Linear Regression</a:t>
+                      </a:r>
+                      <a:endParaRPr lang="en-US" sz="2000">
+                        <a:effectLst/>
+                        <a:latin typeface="Arial" panose="020B0604020202020204" pitchFamily="34" charset="0"/>
+                        <a:ea typeface="Arial" panose="020B0604020202020204" pitchFamily="34" charset="0"/>
+                      </a:endParaRPr>
+                    </a:p>
+                  </a:txBody>
+                  <a:tcPr marL="63500" marR="63500" marT="63500" marB="63500"/>
+                </a:tc>
+                <a:tc>
+                  <a:txBody>
+                    <a:bodyPr/>
+                    <a:lstStyle/>
+                    <a:p>
+                      <a:pPr marL="0" marR="0">
+                        <a:lnSpc>
+                          <a:spcPct val="115000"/>
+                        </a:lnSpc>
+                        <a:spcBef>
+                          <a:spcPts val="0"/>
+                        </a:spcBef>
+                        <a:spcAft>
+                          <a:spcPts val="0"/>
+                        </a:spcAft>
+                      </a:pPr>
+                      <a:r>
+                        <a:rPr lang="en-US" sz="2000">
+                          <a:effectLst/>
+                        </a:rPr>
+                        <a:t>0.332</a:t>
+                      </a:r>
+                      <a:endParaRPr lang="en-US" sz="2000">
+                        <a:effectLst/>
+                        <a:latin typeface="Arial" panose="020B0604020202020204" pitchFamily="34" charset="0"/>
+                        <a:ea typeface="Arial" panose="020B0604020202020204" pitchFamily="34" charset="0"/>
+                      </a:endParaRPr>
+                    </a:p>
+                  </a:txBody>
+                  <a:tcPr marL="63500" marR="63500" marT="63500" marB="63500"/>
+                </a:tc>
+                <a:tc>
+                  <a:txBody>
+                    <a:bodyPr/>
+                    <a:lstStyle/>
+                    <a:p>
+                      <a:pPr marL="0" marR="0">
+                        <a:lnSpc>
+                          <a:spcPct val="115000"/>
+                        </a:lnSpc>
+                        <a:spcBef>
+                          <a:spcPts val="0"/>
+                        </a:spcBef>
+                        <a:spcAft>
+                          <a:spcPts val="0"/>
+                        </a:spcAft>
+                      </a:pPr>
+                      <a:r>
+                        <a:rPr lang="en-US" sz="2000" dirty="0">
+                          <a:effectLst/>
+                        </a:rPr>
+                        <a:t>0.637</a:t>
+                      </a:r>
+                      <a:endParaRPr lang="en-US" sz="2000" dirty="0">
+                        <a:effectLst/>
+                        <a:latin typeface="Arial" panose="020B0604020202020204" pitchFamily="34" charset="0"/>
+                        <a:ea typeface="Arial" panose="020B0604020202020204" pitchFamily="34" charset="0"/>
+                      </a:endParaRPr>
+                    </a:p>
+                  </a:txBody>
+                  <a:tcPr marL="63500" marR="63500" marT="63500" marB="63500"/>
+                </a:tc>
+                <a:extLst>
+                  <a:ext uri="{0D108BD9-81ED-4DB2-BD59-A6C34878D82A}">
+                    <a16:rowId xmlns:a16="http://schemas.microsoft.com/office/drawing/2014/main" val="1139287391"/>
+                  </a:ext>
+                </a:extLst>
+              </a:tr>
+              <a:tr h="403009">
+                <a:tc>
+                  <a:txBody>
+                    <a:bodyPr/>
+                    <a:lstStyle/>
+                    <a:p>
+                      <a:pPr marL="0" marR="0">
+                        <a:lnSpc>
+                          <a:spcPct val="115000"/>
+                        </a:lnSpc>
+                        <a:spcBef>
+                          <a:spcPts val="0"/>
+                        </a:spcBef>
+                        <a:spcAft>
+                          <a:spcPts val="0"/>
+                        </a:spcAft>
+                      </a:pPr>
+                      <a:r>
+                        <a:rPr lang="en-US" sz="2000">
+                          <a:effectLst/>
+                        </a:rPr>
+                        <a:t>Logistic Regression</a:t>
+                      </a:r>
+                      <a:endParaRPr lang="en-US" sz="2000">
+                        <a:effectLst/>
+                        <a:latin typeface="Arial" panose="020B0604020202020204" pitchFamily="34" charset="0"/>
+                        <a:ea typeface="Arial" panose="020B0604020202020204" pitchFamily="34" charset="0"/>
+                      </a:endParaRPr>
+                    </a:p>
+                  </a:txBody>
+                  <a:tcPr marL="63500" marR="63500" marT="63500" marB="63500"/>
+                </a:tc>
+                <a:tc>
+                  <a:txBody>
+                    <a:bodyPr/>
+                    <a:lstStyle/>
+                    <a:p>
+                      <a:pPr marL="0" marR="0">
+                        <a:lnSpc>
+                          <a:spcPct val="115000"/>
+                        </a:lnSpc>
+                        <a:spcBef>
+                          <a:spcPts val="0"/>
+                        </a:spcBef>
+                        <a:spcAft>
+                          <a:spcPts val="0"/>
+                        </a:spcAft>
+                      </a:pPr>
+                      <a:r>
+                        <a:rPr lang="en-US" sz="2000" dirty="0">
+                          <a:effectLst/>
+                        </a:rPr>
+                        <a:t>0.393</a:t>
+                      </a:r>
+                      <a:endParaRPr lang="en-US" sz="2000" dirty="0">
+                        <a:effectLst/>
+                        <a:latin typeface="Arial" panose="020B0604020202020204" pitchFamily="34" charset="0"/>
+                        <a:ea typeface="Arial" panose="020B0604020202020204" pitchFamily="34" charset="0"/>
+                      </a:endParaRPr>
+                    </a:p>
+                  </a:txBody>
+                  <a:tcPr marL="63500" marR="63500" marT="63500" marB="63500"/>
+                </a:tc>
+                <a:tc>
+                  <a:txBody>
+                    <a:bodyPr/>
+                    <a:lstStyle/>
+                    <a:p>
+                      <a:pPr marL="0" marR="0">
+                        <a:lnSpc>
+                          <a:spcPct val="115000"/>
+                        </a:lnSpc>
+                        <a:spcBef>
+                          <a:spcPts val="0"/>
+                        </a:spcBef>
+                        <a:spcAft>
+                          <a:spcPts val="0"/>
+                        </a:spcAft>
+                      </a:pPr>
+                      <a:r>
+                        <a:rPr lang="en-US" sz="2000">
+                          <a:effectLst/>
+                        </a:rPr>
+                        <a:t>0.558</a:t>
+                      </a:r>
+                      <a:endParaRPr lang="en-US" sz="2000">
+                        <a:effectLst/>
+                        <a:latin typeface="Arial" panose="020B0604020202020204" pitchFamily="34" charset="0"/>
+                        <a:ea typeface="Arial" panose="020B0604020202020204" pitchFamily="34" charset="0"/>
+                      </a:endParaRPr>
+                    </a:p>
+                  </a:txBody>
+                  <a:tcPr marL="63500" marR="63500" marT="63500" marB="63500"/>
+                </a:tc>
+                <a:extLst>
+                  <a:ext uri="{0D108BD9-81ED-4DB2-BD59-A6C34878D82A}">
+                    <a16:rowId xmlns:a16="http://schemas.microsoft.com/office/drawing/2014/main" val="1388861187"/>
+                  </a:ext>
+                </a:extLst>
+              </a:tr>
+              <a:tr h="403009">
+                <a:tc>
+                  <a:txBody>
+                    <a:bodyPr/>
+                    <a:lstStyle/>
+                    <a:p>
+                      <a:pPr marL="0" marR="0">
+                        <a:lnSpc>
+                          <a:spcPct val="115000"/>
+                        </a:lnSpc>
+                        <a:spcBef>
+                          <a:spcPts val="0"/>
+                        </a:spcBef>
+                        <a:spcAft>
+                          <a:spcPts val="0"/>
+                        </a:spcAft>
+                      </a:pPr>
+                      <a:r>
+                        <a:rPr lang="en-US" sz="2000" dirty="0">
+                          <a:effectLst/>
+                        </a:rPr>
+                        <a:t>k-Nearest Neighbors</a:t>
+                      </a:r>
+                      <a:endParaRPr lang="en-US" sz="2000" dirty="0">
+                        <a:effectLst/>
+                        <a:latin typeface="Arial" panose="020B0604020202020204" pitchFamily="34" charset="0"/>
+                        <a:ea typeface="Arial" panose="020B0604020202020204" pitchFamily="34" charset="0"/>
+                      </a:endParaRPr>
+                    </a:p>
+                  </a:txBody>
+                  <a:tcPr marL="63500" marR="63500" marT="63500" marB="63500"/>
+                </a:tc>
+                <a:tc>
+                  <a:txBody>
+                    <a:bodyPr/>
+                    <a:lstStyle/>
+                    <a:p>
+                      <a:pPr marL="0" marR="0">
+                        <a:lnSpc>
+                          <a:spcPct val="115000"/>
+                        </a:lnSpc>
+                        <a:spcBef>
+                          <a:spcPts val="0"/>
+                        </a:spcBef>
+                        <a:spcAft>
+                          <a:spcPts val="0"/>
+                        </a:spcAft>
+                      </a:pPr>
+                      <a:r>
+                        <a:rPr lang="en-US" sz="2000">
+                          <a:effectLst/>
+                        </a:rPr>
+                        <a:t>0.438</a:t>
+                      </a:r>
+                      <a:endParaRPr lang="en-US" sz="2000">
+                        <a:effectLst/>
+                        <a:latin typeface="Arial" panose="020B0604020202020204" pitchFamily="34" charset="0"/>
+                        <a:ea typeface="Arial" panose="020B0604020202020204" pitchFamily="34" charset="0"/>
+                      </a:endParaRPr>
+                    </a:p>
+                  </a:txBody>
+                  <a:tcPr marL="63500" marR="63500" marT="63500" marB="63500"/>
+                </a:tc>
+                <a:tc>
+                  <a:txBody>
+                    <a:bodyPr/>
+                    <a:lstStyle/>
+                    <a:p>
+                      <a:pPr marL="0" marR="0">
+                        <a:lnSpc>
+                          <a:spcPct val="115000"/>
+                        </a:lnSpc>
+                        <a:spcBef>
+                          <a:spcPts val="0"/>
+                        </a:spcBef>
+                        <a:spcAft>
+                          <a:spcPts val="0"/>
+                        </a:spcAft>
+                      </a:pPr>
+                      <a:r>
+                        <a:rPr lang="en-US" sz="2000" dirty="0">
+                          <a:effectLst/>
+                        </a:rPr>
+                        <a:t>0.562</a:t>
+                      </a:r>
+                      <a:endParaRPr lang="en-US" sz="2000" dirty="0">
+                        <a:effectLst/>
+                        <a:latin typeface="Arial" panose="020B0604020202020204" pitchFamily="34" charset="0"/>
+                        <a:ea typeface="Arial" panose="020B0604020202020204" pitchFamily="34" charset="0"/>
+                      </a:endParaRPr>
+                    </a:p>
+                  </a:txBody>
+                  <a:tcPr marL="63500" marR="63500" marT="63500" marB="63500"/>
+                </a:tc>
+                <a:extLst>
+                  <a:ext uri="{0D108BD9-81ED-4DB2-BD59-A6C34878D82A}">
+                    <a16:rowId xmlns:a16="http://schemas.microsoft.com/office/drawing/2014/main" val="4057131380"/>
+                  </a:ext>
+                </a:extLst>
+              </a:tr>
+            </a:tbl>
+          </a:graphicData>
+        </a:graphic>
+      </p:graphicFrame>
     </p:spTree>
     <p:extLst>
       <p:ext uri="{BB962C8B-B14F-4D97-AF65-F5344CB8AC3E}">
@@ -4154,52 +4770,493 @@
           </a:p>
         </p:txBody>
       </p:sp>
-      <p:sp>
-        <p:nvSpPr>
-          <p:cNvPr id="3" name="Content Placeholder 2">
+      <p:pic>
+        <p:nvPicPr>
+          <p:cNvPr id="5" name="Picture 4">
             <a:extLst>
               <a:ext uri="{FF2B5EF4-FFF2-40B4-BE49-F238E27FC236}">
-                <a16:creationId xmlns:a16="http://schemas.microsoft.com/office/drawing/2014/main" id="{F7D97817-DC82-A946-AB0A-0BC563D8D327}"/>
+                <a16:creationId xmlns:a16="http://schemas.microsoft.com/office/drawing/2014/main" id="{F34FE6D1-87C9-0641-AF64-71DC8227DD49}"/>
               </a:ext>
             </a:extLst>
           </p:cNvPr>
-          <p:cNvSpPr>
-            <a:spLocks noGrp="1"/>
-          </p:cNvSpPr>
-          <p:nvPr>
-            <p:ph idx="1"/>
-          </p:nvPr>
-        </p:nvSpPr>
-        <p:spPr/>
-        <p:txBody>
-          <a:bodyPr/>
-          <a:lstStyle/>
-          <a:p>
-            <a:r>
-              <a:rPr lang="en-US" dirty="0"/>
-              <a:t>Logistic Regression</a:t>
-            </a:r>
-          </a:p>
-          <a:p>
-            <a:r>
-              <a:rPr lang="en-US" dirty="0"/>
-              <a:t>Binary Classification</a:t>
-            </a:r>
-          </a:p>
-          <a:p>
-            <a:r>
-              <a:rPr lang="en-US" dirty="0"/>
-              <a:t>k-Nearest Neighbors</a:t>
-            </a:r>
-          </a:p>
-          <a:p>
-            <a:r>
-              <a:rPr lang="en-US" dirty="0"/>
-              <a:t>Decision Trees</a:t>
-            </a:r>
-          </a:p>
-        </p:txBody>
-      </p:sp>
+          <p:cNvPicPr>
+            <a:picLocks noChangeAspect="1"/>
+          </p:cNvPicPr>
+          <p:nvPr/>
+        </p:nvPicPr>
+        <p:blipFill>
+          <a:blip r:embed="rId2"/>
+          <a:stretch>
+            <a:fillRect/>
+          </a:stretch>
+        </p:blipFill>
+        <p:spPr>
+          <a:xfrm>
+            <a:off x="5193227" y="777021"/>
+            <a:ext cx="4927478" cy="3120063"/>
+          </a:xfrm>
+          <a:prstGeom prst="rect">
+            <a:avLst/>
+          </a:prstGeom>
+        </p:spPr>
+      </p:pic>
+      <p:graphicFrame>
+        <p:nvGraphicFramePr>
+          <p:cNvPr id="6" name="Table 5">
+            <a:extLst>
+              <a:ext uri="{FF2B5EF4-FFF2-40B4-BE49-F238E27FC236}">
+                <a16:creationId xmlns:a16="http://schemas.microsoft.com/office/drawing/2014/main" id="{97A3B4CD-1D9F-4444-9C6B-2792DEA741D4}"/>
+              </a:ext>
+            </a:extLst>
+          </p:cNvPr>
+          <p:cNvGraphicFramePr>
+            <a:graphicFrameLocks noGrp="1"/>
+          </p:cNvGraphicFramePr>
+          <p:nvPr>
+            <p:extLst>
+              <p:ext uri="{D42A27DB-BD31-4B8C-83A1-F6EECF244321}">
+                <p14:modId xmlns:p14="http://schemas.microsoft.com/office/powerpoint/2010/main" val="613551969"/>
+              </p:ext>
+            </p:extLst>
+          </p:nvPr>
+        </p:nvGraphicFramePr>
+        <p:xfrm>
+          <a:off x="4173537" y="4255701"/>
+          <a:ext cx="6966858" cy="1819912"/>
+        </p:xfrm>
+        <a:graphic>
+          <a:graphicData uri="http://schemas.openxmlformats.org/drawingml/2006/table">
+            <a:tbl>
+              <a:tblPr>
+                <a:tableStyleId>{5C22544A-7EE6-4342-B048-85BDC9FD1C3A}</a:tableStyleId>
+              </a:tblPr>
+              <a:tblGrid>
+                <a:gridCol w="2322286">
+                  <a:extLst>
+                    <a:ext uri="{9D8B030D-6E8A-4147-A177-3AD203B41FA5}">
+                      <a16:colId xmlns:a16="http://schemas.microsoft.com/office/drawing/2014/main" val="2995660571"/>
+                    </a:ext>
+                  </a:extLst>
+                </a:gridCol>
+                <a:gridCol w="2322286">
+                  <a:extLst>
+                    <a:ext uri="{9D8B030D-6E8A-4147-A177-3AD203B41FA5}">
+                      <a16:colId xmlns:a16="http://schemas.microsoft.com/office/drawing/2014/main" val="1316220383"/>
+                    </a:ext>
+                  </a:extLst>
+                </a:gridCol>
+                <a:gridCol w="2322286">
+                  <a:extLst>
+                    <a:ext uri="{9D8B030D-6E8A-4147-A177-3AD203B41FA5}">
+                      <a16:colId xmlns:a16="http://schemas.microsoft.com/office/drawing/2014/main" val="397873062"/>
+                    </a:ext>
+                  </a:extLst>
+                </a:gridCol>
+              </a:tblGrid>
+              <a:tr h="405646">
+                <a:tc>
+                  <a:txBody>
+                    <a:bodyPr/>
+                    <a:lstStyle/>
+                    <a:p>
+                      <a:pPr marL="0" marR="0">
+                        <a:lnSpc>
+                          <a:spcPct val="115000"/>
+                        </a:lnSpc>
+                        <a:spcBef>
+                          <a:spcPts val="0"/>
+                        </a:spcBef>
+                        <a:spcAft>
+                          <a:spcPts val="0"/>
+                        </a:spcAft>
+                      </a:pPr>
+                      <a:r>
+                        <a:rPr lang="en-US" sz="2000">
+                          <a:effectLst/>
+                        </a:rPr>
+                        <a:t>Algorithm</a:t>
+                      </a:r>
+                      <a:endParaRPr lang="en-US" sz="2000">
+                        <a:effectLst/>
+                        <a:latin typeface="Arial" panose="020B0604020202020204" pitchFamily="34" charset="0"/>
+                        <a:ea typeface="Arial" panose="020B0604020202020204" pitchFamily="34" charset="0"/>
+                      </a:endParaRPr>
+                    </a:p>
+                  </a:txBody>
+                  <a:tcPr marL="63500" marR="63500" marT="63500" marB="63500"/>
+                </a:tc>
+                <a:tc>
+                  <a:txBody>
+                    <a:bodyPr/>
+                    <a:lstStyle/>
+                    <a:p>
+                      <a:pPr marL="0" marR="0">
+                        <a:lnSpc>
+                          <a:spcPct val="115000"/>
+                        </a:lnSpc>
+                        <a:spcBef>
+                          <a:spcPts val="0"/>
+                        </a:spcBef>
+                        <a:spcAft>
+                          <a:spcPts val="0"/>
+                        </a:spcAft>
+                      </a:pPr>
+                      <a:r>
+                        <a:rPr lang="en-US" sz="2000">
+                          <a:effectLst/>
+                        </a:rPr>
+                        <a:t>Domain-Expert</a:t>
+                      </a:r>
+                      <a:endParaRPr lang="en-US" sz="2000">
+                        <a:effectLst/>
+                        <a:latin typeface="Arial" panose="020B0604020202020204" pitchFamily="34" charset="0"/>
+                        <a:ea typeface="Arial" panose="020B0604020202020204" pitchFamily="34" charset="0"/>
+                      </a:endParaRPr>
+                    </a:p>
+                  </a:txBody>
+                  <a:tcPr marL="63500" marR="63500" marT="63500" marB="63500"/>
+                </a:tc>
+                <a:tc>
+                  <a:txBody>
+                    <a:bodyPr/>
+                    <a:lstStyle/>
+                    <a:p>
+                      <a:pPr marL="0" marR="0">
+                        <a:lnSpc>
+                          <a:spcPct val="115000"/>
+                        </a:lnSpc>
+                        <a:spcBef>
+                          <a:spcPts val="0"/>
+                        </a:spcBef>
+                        <a:spcAft>
+                          <a:spcPts val="0"/>
+                        </a:spcAft>
+                      </a:pPr>
+                      <a:r>
+                        <a:rPr lang="en-US" sz="2000">
+                          <a:effectLst/>
+                        </a:rPr>
+                        <a:t>PCA</a:t>
+                      </a:r>
+                      <a:endParaRPr lang="en-US" sz="2000">
+                        <a:effectLst/>
+                        <a:latin typeface="Arial" panose="020B0604020202020204" pitchFamily="34" charset="0"/>
+                        <a:ea typeface="Arial" panose="020B0604020202020204" pitchFamily="34" charset="0"/>
+                      </a:endParaRPr>
+                    </a:p>
+                  </a:txBody>
+                  <a:tcPr marL="63500" marR="63500" marT="63500" marB="63500"/>
+                </a:tc>
+                <a:extLst>
+                  <a:ext uri="{0D108BD9-81ED-4DB2-BD59-A6C34878D82A}">
+                    <a16:rowId xmlns:a16="http://schemas.microsoft.com/office/drawing/2014/main" val="4190244208"/>
+                  </a:ext>
+                </a:extLst>
+              </a:tr>
+              <a:tr h="405646">
+                <a:tc>
+                  <a:txBody>
+                    <a:bodyPr/>
+                    <a:lstStyle/>
+                    <a:p>
+                      <a:pPr marL="0" marR="0">
+                        <a:lnSpc>
+                          <a:spcPct val="115000"/>
+                        </a:lnSpc>
+                        <a:spcBef>
+                          <a:spcPts val="0"/>
+                        </a:spcBef>
+                        <a:spcAft>
+                          <a:spcPts val="0"/>
+                        </a:spcAft>
+                      </a:pPr>
+                      <a:r>
+                        <a:rPr lang="en-US" sz="2000">
+                          <a:effectLst/>
+                        </a:rPr>
+                        <a:t>Logistic Regression</a:t>
+                      </a:r>
+                      <a:endParaRPr lang="en-US" sz="2000">
+                        <a:effectLst/>
+                        <a:latin typeface="Arial" panose="020B0604020202020204" pitchFamily="34" charset="0"/>
+                        <a:ea typeface="Arial" panose="020B0604020202020204" pitchFamily="34" charset="0"/>
+                      </a:endParaRPr>
+                    </a:p>
+                  </a:txBody>
+                  <a:tcPr marL="63500" marR="63500" marT="63500" marB="63500"/>
+                </a:tc>
+                <a:tc>
+                  <a:txBody>
+                    <a:bodyPr/>
+                    <a:lstStyle/>
+                    <a:p>
+                      <a:pPr marL="0" marR="0">
+                        <a:lnSpc>
+                          <a:spcPct val="115000"/>
+                        </a:lnSpc>
+                        <a:spcBef>
+                          <a:spcPts val="0"/>
+                        </a:spcBef>
+                        <a:spcAft>
+                          <a:spcPts val="0"/>
+                        </a:spcAft>
+                      </a:pPr>
+                      <a:r>
+                        <a:rPr lang="en-US" sz="2000">
+                          <a:effectLst/>
+                        </a:rPr>
+                        <a:t>0.694</a:t>
+                      </a:r>
+                      <a:endParaRPr lang="en-US" sz="2000">
+                        <a:effectLst/>
+                        <a:latin typeface="Arial" panose="020B0604020202020204" pitchFamily="34" charset="0"/>
+                        <a:ea typeface="Arial" panose="020B0604020202020204" pitchFamily="34" charset="0"/>
+                      </a:endParaRPr>
+                    </a:p>
+                  </a:txBody>
+                  <a:tcPr marL="63500" marR="63500" marT="63500" marB="63500"/>
+                </a:tc>
+                <a:tc>
+                  <a:txBody>
+                    <a:bodyPr/>
+                    <a:lstStyle/>
+                    <a:p>
+                      <a:pPr marL="0" marR="0">
+                        <a:lnSpc>
+                          <a:spcPct val="115000"/>
+                        </a:lnSpc>
+                        <a:spcBef>
+                          <a:spcPts val="0"/>
+                        </a:spcBef>
+                        <a:spcAft>
+                          <a:spcPts val="0"/>
+                        </a:spcAft>
+                      </a:pPr>
+                      <a:r>
+                        <a:rPr lang="en-US" sz="2000">
+                          <a:effectLst/>
+                        </a:rPr>
+                        <a:t>0.791</a:t>
+                      </a:r>
+                      <a:endParaRPr lang="en-US" sz="2000">
+                        <a:effectLst/>
+                        <a:latin typeface="Arial" panose="020B0604020202020204" pitchFamily="34" charset="0"/>
+                        <a:ea typeface="Arial" panose="020B0604020202020204" pitchFamily="34" charset="0"/>
+                      </a:endParaRPr>
+                    </a:p>
+                  </a:txBody>
+                  <a:tcPr marL="63500" marR="63500" marT="63500" marB="63500"/>
+                </a:tc>
+                <a:extLst>
+                  <a:ext uri="{0D108BD9-81ED-4DB2-BD59-A6C34878D82A}">
+                    <a16:rowId xmlns:a16="http://schemas.microsoft.com/office/drawing/2014/main" val="2625329222"/>
+                  </a:ext>
+                </a:extLst>
+              </a:tr>
+              <a:tr h="405646">
+                <a:tc>
+                  <a:txBody>
+                    <a:bodyPr/>
+                    <a:lstStyle/>
+                    <a:p>
+                      <a:pPr marL="0" marR="0">
+                        <a:lnSpc>
+                          <a:spcPct val="115000"/>
+                        </a:lnSpc>
+                        <a:spcBef>
+                          <a:spcPts val="0"/>
+                        </a:spcBef>
+                        <a:spcAft>
+                          <a:spcPts val="0"/>
+                        </a:spcAft>
+                      </a:pPr>
+                      <a:r>
+                        <a:rPr lang="en-US" sz="2000">
+                          <a:effectLst/>
+                        </a:rPr>
+                        <a:t>k-Nearest Neighbors</a:t>
+                      </a:r>
+                      <a:endParaRPr lang="en-US" sz="2000">
+                        <a:effectLst/>
+                        <a:latin typeface="Arial" panose="020B0604020202020204" pitchFamily="34" charset="0"/>
+                        <a:ea typeface="Arial" panose="020B0604020202020204" pitchFamily="34" charset="0"/>
+                      </a:endParaRPr>
+                    </a:p>
+                  </a:txBody>
+                  <a:tcPr marL="63500" marR="63500" marT="63500" marB="63500"/>
+                </a:tc>
+                <a:tc>
+                  <a:txBody>
+                    <a:bodyPr/>
+                    <a:lstStyle/>
+                    <a:p>
+                      <a:pPr marL="0" marR="0">
+                        <a:lnSpc>
+                          <a:spcPct val="115000"/>
+                        </a:lnSpc>
+                        <a:spcBef>
+                          <a:spcPts val="0"/>
+                        </a:spcBef>
+                        <a:spcAft>
+                          <a:spcPts val="0"/>
+                        </a:spcAft>
+                      </a:pPr>
+                      <a:r>
+                        <a:rPr lang="en-US" sz="2000">
+                          <a:effectLst/>
+                        </a:rPr>
+                        <a:t>0.591</a:t>
+                      </a:r>
+                      <a:endParaRPr lang="en-US" sz="2000">
+                        <a:effectLst/>
+                        <a:latin typeface="Arial" panose="020B0604020202020204" pitchFamily="34" charset="0"/>
+                        <a:ea typeface="Arial" panose="020B0604020202020204" pitchFamily="34" charset="0"/>
+                      </a:endParaRPr>
+                    </a:p>
+                  </a:txBody>
+                  <a:tcPr marL="63500" marR="63500" marT="63500" marB="63500"/>
+                </a:tc>
+                <a:tc>
+                  <a:txBody>
+                    <a:bodyPr/>
+                    <a:lstStyle/>
+                    <a:p>
+                      <a:pPr marL="0" marR="0">
+                        <a:lnSpc>
+                          <a:spcPct val="115000"/>
+                        </a:lnSpc>
+                        <a:spcBef>
+                          <a:spcPts val="0"/>
+                        </a:spcBef>
+                        <a:spcAft>
+                          <a:spcPts val="0"/>
+                        </a:spcAft>
+                      </a:pPr>
+                      <a:r>
+                        <a:rPr lang="en-US" sz="2000">
+                          <a:effectLst/>
+                        </a:rPr>
+                        <a:t>0.808</a:t>
+                      </a:r>
+                      <a:endParaRPr lang="en-US" sz="2000">
+                        <a:effectLst/>
+                        <a:latin typeface="Arial" panose="020B0604020202020204" pitchFamily="34" charset="0"/>
+                        <a:ea typeface="Arial" panose="020B0604020202020204" pitchFamily="34" charset="0"/>
+                      </a:endParaRPr>
+                    </a:p>
+                  </a:txBody>
+                  <a:tcPr marL="63500" marR="63500" marT="63500" marB="63500"/>
+                </a:tc>
+                <a:extLst>
+                  <a:ext uri="{0D108BD9-81ED-4DB2-BD59-A6C34878D82A}">
+                    <a16:rowId xmlns:a16="http://schemas.microsoft.com/office/drawing/2014/main" val="2699283294"/>
+                  </a:ext>
+                </a:extLst>
+              </a:tr>
+              <a:tr h="405646">
+                <a:tc>
+                  <a:txBody>
+                    <a:bodyPr/>
+                    <a:lstStyle/>
+                    <a:p>
+                      <a:pPr marL="0" marR="0">
+                        <a:lnSpc>
+                          <a:spcPct val="115000"/>
+                        </a:lnSpc>
+                        <a:spcBef>
+                          <a:spcPts val="0"/>
+                        </a:spcBef>
+                        <a:spcAft>
+                          <a:spcPts val="0"/>
+                        </a:spcAft>
+                      </a:pPr>
+                      <a:r>
+                        <a:rPr lang="en-US" sz="2000">
+                          <a:effectLst/>
+                        </a:rPr>
+                        <a:t>Decision Trees</a:t>
+                      </a:r>
+                      <a:endParaRPr lang="en-US" sz="2000">
+                        <a:effectLst/>
+                        <a:latin typeface="Arial" panose="020B0604020202020204" pitchFamily="34" charset="0"/>
+                        <a:ea typeface="Arial" panose="020B0604020202020204" pitchFamily="34" charset="0"/>
+                      </a:endParaRPr>
+                    </a:p>
+                  </a:txBody>
+                  <a:tcPr marL="63500" marR="63500" marT="63500" marB="63500"/>
+                </a:tc>
+                <a:tc>
+                  <a:txBody>
+                    <a:bodyPr/>
+                    <a:lstStyle/>
+                    <a:p>
+                      <a:pPr marL="0" marR="0">
+                        <a:lnSpc>
+                          <a:spcPct val="115000"/>
+                        </a:lnSpc>
+                        <a:spcBef>
+                          <a:spcPts val="0"/>
+                        </a:spcBef>
+                        <a:spcAft>
+                          <a:spcPts val="0"/>
+                        </a:spcAft>
+                      </a:pPr>
+                      <a:r>
+                        <a:rPr lang="en-US" sz="2000">
+                          <a:effectLst/>
+                        </a:rPr>
+                        <a:t>0.616</a:t>
+                      </a:r>
+                      <a:endParaRPr lang="en-US" sz="2000">
+                        <a:effectLst/>
+                        <a:latin typeface="Arial" panose="020B0604020202020204" pitchFamily="34" charset="0"/>
+                        <a:ea typeface="Arial" panose="020B0604020202020204" pitchFamily="34" charset="0"/>
+                      </a:endParaRPr>
+                    </a:p>
+                  </a:txBody>
+                  <a:tcPr marL="63500" marR="63500" marT="63500" marB="63500"/>
+                </a:tc>
+                <a:tc>
+                  <a:txBody>
+                    <a:bodyPr/>
+                    <a:lstStyle/>
+                    <a:p>
+                      <a:pPr marL="0" marR="0">
+                        <a:lnSpc>
+                          <a:spcPct val="115000"/>
+                        </a:lnSpc>
+                        <a:spcBef>
+                          <a:spcPts val="0"/>
+                        </a:spcBef>
+                        <a:spcAft>
+                          <a:spcPts val="0"/>
+                        </a:spcAft>
+                      </a:pPr>
+                      <a:r>
+                        <a:rPr lang="en-US" sz="2000" dirty="0">
+                          <a:effectLst/>
+                        </a:rPr>
+                        <a:t>0.750</a:t>
+                      </a:r>
+                      <a:endParaRPr lang="en-US" sz="2000" dirty="0">
+                        <a:effectLst/>
+                        <a:latin typeface="Arial" panose="020B0604020202020204" pitchFamily="34" charset="0"/>
+                        <a:ea typeface="Arial" panose="020B0604020202020204" pitchFamily="34" charset="0"/>
+                      </a:endParaRPr>
+                    </a:p>
+                  </a:txBody>
+                  <a:tcPr marL="63500" marR="63500" marT="63500" marB="63500"/>
+                </a:tc>
+                <a:extLst>
+                  <a:ext uri="{0D108BD9-81ED-4DB2-BD59-A6C34878D82A}">
+                    <a16:rowId xmlns:a16="http://schemas.microsoft.com/office/drawing/2014/main" val="2737484090"/>
+                  </a:ext>
+                </a:extLst>
+              </a:tr>
+            </a:tbl>
+          </a:graphicData>
+        </a:graphic>
+      </p:graphicFrame>
     </p:spTree>
     <p:extLst>
       <p:ext uri="{BB962C8B-B14F-4D97-AF65-F5344CB8AC3E}">
@@ -4258,52 +5315,493 @@
           </a:p>
         </p:txBody>
       </p:sp>
-      <p:sp>
-        <p:nvSpPr>
-          <p:cNvPr id="3" name="Content Placeholder 2">
+      <p:pic>
+        <p:nvPicPr>
+          <p:cNvPr id="5" name="Picture 4">
             <a:extLst>
               <a:ext uri="{FF2B5EF4-FFF2-40B4-BE49-F238E27FC236}">
-                <a16:creationId xmlns:a16="http://schemas.microsoft.com/office/drawing/2014/main" id="{D8A2AA82-43BE-5D4A-8874-D48F3281C196}"/>
+                <a16:creationId xmlns:a16="http://schemas.microsoft.com/office/drawing/2014/main" id="{E8AE05B8-D467-BC43-80E1-60F9DB101118}"/>
               </a:ext>
             </a:extLst>
           </p:cNvPr>
-          <p:cNvSpPr>
-            <a:spLocks noGrp="1"/>
-          </p:cNvSpPr>
-          <p:nvPr>
-            <p:ph idx="1"/>
-          </p:nvPr>
-        </p:nvSpPr>
-        <p:spPr/>
-        <p:txBody>
-          <a:bodyPr/>
-          <a:lstStyle/>
-          <a:p>
-            <a:r>
-              <a:rPr lang="en-US" dirty="0"/>
-              <a:t>Logistic Regression</a:t>
-            </a:r>
-          </a:p>
-          <a:p>
-            <a:r>
-              <a:rPr lang="en-US" dirty="0"/>
-              <a:t>Binary Classification</a:t>
-            </a:r>
-          </a:p>
-          <a:p>
-            <a:r>
-              <a:rPr lang="en-US" dirty="0"/>
-              <a:t>k-Nearest Neighbors</a:t>
-            </a:r>
-          </a:p>
-          <a:p>
-            <a:r>
-              <a:rPr lang="en-US" dirty="0"/>
-              <a:t>Decision Trees</a:t>
-            </a:r>
-          </a:p>
-        </p:txBody>
-      </p:sp>
+          <p:cNvPicPr>
+            <a:picLocks noChangeAspect="1"/>
+          </p:cNvPicPr>
+          <p:nvPr/>
+        </p:nvPicPr>
+        <p:blipFill>
+          <a:blip r:embed="rId2"/>
+          <a:stretch>
+            <a:fillRect/>
+          </a:stretch>
+        </p:blipFill>
+        <p:spPr>
+          <a:xfrm>
+            <a:off x="3956352" y="808470"/>
+            <a:ext cx="7315200" cy="3223007"/>
+          </a:xfrm>
+          <a:prstGeom prst="rect">
+            <a:avLst/>
+          </a:prstGeom>
+        </p:spPr>
+      </p:pic>
+      <p:graphicFrame>
+        <p:nvGraphicFramePr>
+          <p:cNvPr id="6" name="Table 5">
+            <a:extLst>
+              <a:ext uri="{FF2B5EF4-FFF2-40B4-BE49-F238E27FC236}">
+                <a16:creationId xmlns:a16="http://schemas.microsoft.com/office/drawing/2014/main" id="{53E82A3C-2C95-1A47-9758-9ED8B80F0254}"/>
+              </a:ext>
+            </a:extLst>
+          </p:cNvPr>
+          <p:cNvGraphicFramePr>
+            <a:graphicFrameLocks noGrp="1"/>
+          </p:cNvGraphicFramePr>
+          <p:nvPr>
+            <p:extLst>
+              <p:ext uri="{D42A27DB-BD31-4B8C-83A1-F6EECF244321}">
+                <p14:modId xmlns:p14="http://schemas.microsoft.com/office/powerpoint/2010/main" val="321822423"/>
+              </p:ext>
+            </p:extLst>
+          </p:nvPr>
+        </p:nvGraphicFramePr>
+        <p:xfrm>
+          <a:off x="4073073" y="4265883"/>
+          <a:ext cx="6994674" cy="1819912"/>
+        </p:xfrm>
+        <a:graphic>
+          <a:graphicData uri="http://schemas.openxmlformats.org/drawingml/2006/table">
+            <a:tbl>
+              <a:tblPr>
+                <a:tableStyleId>{5C22544A-7EE6-4342-B048-85BDC9FD1C3A}</a:tableStyleId>
+              </a:tblPr>
+              <a:tblGrid>
+                <a:gridCol w="2331558">
+                  <a:extLst>
+                    <a:ext uri="{9D8B030D-6E8A-4147-A177-3AD203B41FA5}">
+                      <a16:colId xmlns:a16="http://schemas.microsoft.com/office/drawing/2014/main" val="4170994969"/>
+                    </a:ext>
+                  </a:extLst>
+                </a:gridCol>
+                <a:gridCol w="2331558">
+                  <a:extLst>
+                    <a:ext uri="{9D8B030D-6E8A-4147-A177-3AD203B41FA5}">
+                      <a16:colId xmlns:a16="http://schemas.microsoft.com/office/drawing/2014/main" val="3564836191"/>
+                    </a:ext>
+                  </a:extLst>
+                </a:gridCol>
+                <a:gridCol w="2331558">
+                  <a:extLst>
+                    <a:ext uri="{9D8B030D-6E8A-4147-A177-3AD203B41FA5}">
+                      <a16:colId xmlns:a16="http://schemas.microsoft.com/office/drawing/2014/main" val="519257479"/>
+                    </a:ext>
+                  </a:extLst>
+                </a:gridCol>
+              </a:tblGrid>
+              <a:tr h="305129">
+                <a:tc>
+                  <a:txBody>
+                    <a:bodyPr/>
+                    <a:lstStyle/>
+                    <a:p>
+                      <a:pPr marL="0" marR="0">
+                        <a:lnSpc>
+                          <a:spcPct val="115000"/>
+                        </a:lnSpc>
+                        <a:spcBef>
+                          <a:spcPts val="0"/>
+                        </a:spcBef>
+                        <a:spcAft>
+                          <a:spcPts val="0"/>
+                        </a:spcAft>
+                      </a:pPr>
+                      <a:r>
+                        <a:rPr lang="en-US" sz="2000" baseline="0">
+                          <a:effectLst/>
+                        </a:rPr>
+                        <a:t>Algorithm</a:t>
+                      </a:r>
+                      <a:endParaRPr lang="en-US" sz="2000" baseline="0">
+                        <a:effectLst/>
+                        <a:latin typeface="Arial" panose="020B0604020202020204" pitchFamily="34" charset="0"/>
+                        <a:ea typeface="Arial" panose="020B0604020202020204" pitchFamily="34" charset="0"/>
+                      </a:endParaRPr>
+                    </a:p>
+                  </a:txBody>
+                  <a:tcPr marL="63500" marR="63500" marT="63500" marB="63500"/>
+                </a:tc>
+                <a:tc>
+                  <a:txBody>
+                    <a:bodyPr/>
+                    <a:lstStyle/>
+                    <a:p>
+                      <a:pPr marL="0" marR="0">
+                        <a:lnSpc>
+                          <a:spcPct val="115000"/>
+                        </a:lnSpc>
+                        <a:spcBef>
+                          <a:spcPts val="0"/>
+                        </a:spcBef>
+                        <a:spcAft>
+                          <a:spcPts val="0"/>
+                        </a:spcAft>
+                      </a:pPr>
+                      <a:r>
+                        <a:rPr lang="en-US" sz="2000" baseline="0">
+                          <a:effectLst/>
+                        </a:rPr>
+                        <a:t>Domain-Expert</a:t>
+                      </a:r>
+                      <a:endParaRPr lang="en-US" sz="2000" baseline="0">
+                        <a:effectLst/>
+                        <a:latin typeface="Arial" panose="020B0604020202020204" pitchFamily="34" charset="0"/>
+                        <a:ea typeface="Arial" panose="020B0604020202020204" pitchFamily="34" charset="0"/>
+                      </a:endParaRPr>
+                    </a:p>
+                  </a:txBody>
+                  <a:tcPr marL="63500" marR="63500" marT="63500" marB="63500"/>
+                </a:tc>
+                <a:tc>
+                  <a:txBody>
+                    <a:bodyPr/>
+                    <a:lstStyle/>
+                    <a:p>
+                      <a:pPr marL="0" marR="0">
+                        <a:lnSpc>
+                          <a:spcPct val="115000"/>
+                        </a:lnSpc>
+                        <a:spcBef>
+                          <a:spcPts val="0"/>
+                        </a:spcBef>
+                        <a:spcAft>
+                          <a:spcPts val="0"/>
+                        </a:spcAft>
+                      </a:pPr>
+                      <a:r>
+                        <a:rPr lang="en-US" sz="2000" baseline="0">
+                          <a:effectLst/>
+                        </a:rPr>
+                        <a:t>PCA</a:t>
+                      </a:r>
+                      <a:endParaRPr lang="en-US" sz="2000" baseline="0">
+                        <a:effectLst/>
+                        <a:latin typeface="Arial" panose="020B0604020202020204" pitchFamily="34" charset="0"/>
+                        <a:ea typeface="Arial" panose="020B0604020202020204" pitchFamily="34" charset="0"/>
+                      </a:endParaRPr>
+                    </a:p>
+                  </a:txBody>
+                  <a:tcPr marL="63500" marR="63500" marT="63500" marB="63500"/>
+                </a:tc>
+                <a:extLst>
+                  <a:ext uri="{0D108BD9-81ED-4DB2-BD59-A6C34878D82A}">
+                    <a16:rowId xmlns:a16="http://schemas.microsoft.com/office/drawing/2014/main" val="2846254952"/>
+                  </a:ext>
+                </a:extLst>
+              </a:tr>
+              <a:tr h="305129">
+                <a:tc>
+                  <a:txBody>
+                    <a:bodyPr/>
+                    <a:lstStyle/>
+                    <a:p>
+                      <a:pPr marL="0" marR="0">
+                        <a:lnSpc>
+                          <a:spcPct val="115000"/>
+                        </a:lnSpc>
+                        <a:spcBef>
+                          <a:spcPts val="0"/>
+                        </a:spcBef>
+                        <a:spcAft>
+                          <a:spcPts val="0"/>
+                        </a:spcAft>
+                      </a:pPr>
+                      <a:r>
+                        <a:rPr lang="en-US" sz="2000" baseline="0">
+                          <a:effectLst/>
+                        </a:rPr>
+                        <a:t>Logistic Regression</a:t>
+                      </a:r>
+                      <a:endParaRPr lang="en-US" sz="2000" baseline="0">
+                        <a:effectLst/>
+                        <a:latin typeface="Arial" panose="020B0604020202020204" pitchFamily="34" charset="0"/>
+                        <a:ea typeface="Arial" panose="020B0604020202020204" pitchFamily="34" charset="0"/>
+                      </a:endParaRPr>
+                    </a:p>
+                  </a:txBody>
+                  <a:tcPr marL="63500" marR="63500" marT="63500" marB="63500"/>
+                </a:tc>
+                <a:tc>
+                  <a:txBody>
+                    <a:bodyPr/>
+                    <a:lstStyle/>
+                    <a:p>
+                      <a:pPr marL="0" marR="0">
+                        <a:lnSpc>
+                          <a:spcPct val="115000"/>
+                        </a:lnSpc>
+                        <a:spcBef>
+                          <a:spcPts val="0"/>
+                        </a:spcBef>
+                        <a:spcAft>
+                          <a:spcPts val="0"/>
+                        </a:spcAft>
+                      </a:pPr>
+                      <a:r>
+                        <a:rPr lang="en-US" sz="2000" baseline="0">
+                          <a:effectLst/>
+                        </a:rPr>
+                        <a:t>0.262</a:t>
+                      </a:r>
+                      <a:endParaRPr lang="en-US" sz="2000" baseline="0">
+                        <a:effectLst/>
+                        <a:latin typeface="Arial" panose="020B0604020202020204" pitchFamily="34" charset="0"/>
+                        <a:ea typeface="Arial" panose="020B0604020202020204" pitchFamily="34" charset="0"/>
+                      </a:endParaRPr>
+                    </a:p>
+                  </a:txBody>
+                  <a:tcPr marL="63500" marR="63500" marT="63500" marB="63500"/>
+                </a:tc>
+                <a:tc>
+                  <a:txBody>
+                    <a:bodyPr/>
+                    <a:lstStyle/>
+                    <a:p>
+                      <a:pPr marL="0" marR="0">
+                        <a:lnSpc>
+                          <a:spcPct val="115000"/>
+                        </a:lnSpc>
+                        <a:spcBef>
+                          <a:spcPts val="0"/>
+                        </a:spcBef>
+                        <a:spcAft>
+                          <a:spcPts val="0"/>
+                        </a:spcAft>
+                      </a:pPr>
+                      <a:r>
+                        <a:rPr lang="en-US" sz="2000" baseline="0">
+                          <a:effectLst/>
+                        </a:rPr>
+                        <a:t>0.375</a:t>
+                      </a:r>
+                      <a:endParaRPr lang="en-US" sz="2000" baseline="0">
+                        <a:effectLst/>
+                        <a:latin typeface="Arial" panose="020B0604020202020204" pitchFamily="34" charset="0"/>
+                        <a:ea typeface="Arial" panose="020B0604020202020204" pitchFamily="34" charset="0"/>
+                      </a:endParaRPr>
+                    </a:p>
+                  </a:txBody>
+                  <a:tcPr marL="63500" marR="63500" marT="63500" marB="63500"/>
+                </a:tc>
+                <a:extLst>
+                  <a:ext uri="{0D108BD9-81ED-4DB2-BD59-A6C34878D82A}">
+                    <a16:rowId xmlns:a16="http://schemas.microsoft.com/office/drawing/2014/main" val="945448604"/>
+                  </a:ext>
+                </a:extLst>
+              </a:tr>
+              <a:tr h="305129">
+                <a:tc>
+                  <a:txBody>
+                    <a:bodyPr/>
+                    <a:lstStyle/>
+                    <a:p>
+                      <a:pPr marL="0" marR="0">
+                        <a:lnSpc>
+                          <a:spcPct val="115000"/>
+                        </a:lnSpc>
+                        <a:spcBef>
+                          <a:spcPts val="0"/>
+                        </a:spcBef>
+                        <a:spcAft>
+                          <a:spcPts val="0"/>
+                        </a:spcAft>
+                      </a:pPr>
+                      <a:r>
+                        <a:rPr lang="en-US" sz="2000" baseline="0">
+                          <a:effectLst/>
+                        </a:rPr>
+                        <a:t>k-Nearest Neighbors</a:t>
+                      </a:r>
+                      <a:endParaRPr lang="en-US" sz="2000" baseline="0">
+                        <a:effectLst/>
+                        <a:latin typeface="Arial" panose="020B0604020202020204" pitchFamily="34" charset="0"/>
+                        <a:ea typeface="Arial" panose="020B0604020202020204" pitchFamily="34" charset="0"/>
+                      </a:endParaRPr>
+                    </a:p>
+                  </a:txBody>
+                  <a:tcPr marL="63500" marR="63500" marT="63500" marB="63500"/>
+                </a:tc>
+                <a:tc>
+                  <a:txBody>
+                    <a:bodyPr/>
+                    <a:lstStyle/>
+                    <a:p>
+                      <a:pPr marL="0" marR="0">
+                        <a:lnSpc>
+                          <a:spcPct val="115000"/>
+                        </a:lnSpc>
+                        <a:spcBef>
+                          <a:spcPts val="0"/>
+                        </a:spcBef>
+                        <a:spcAft>
+                          <a:spcPts val="0"/>
+                        </a:spcAft>
+                      </a:pPr>
+                      <a:r>
+                        <a:rPr lang="en-US" sz="2000" baseline="0" dirty="0">
+                          <a:effectLst/>
+                        </a:rPr>
+                        <a:t>0.284</a:t>
+                      </a:r>
+                      <a:endParaRPr lang="en-US" sz="2000" baseline="0" dirty="0">
+                        <a:effectLst/>
+                        <a:latin typeface="Arial" panose="020B0604020202020204" pitchFamily="34" charset="0"/>
+                        <a:ea typeface="Arial" panose="020B0604020202020204" pitchFamily="34" charset="0"/>
+                      </a:endParaRPr>
+                    </a:p>
+                  </a:txBody>
+                  <a:tcPr marL="63500" marR="63500" marT="63500" marB="63500"/>
+                </a:tc>
+                <a:tc>
+                  <a:txBody>
+                    <a:bodyPr/>
+                    <a:lstStyle/>
+                    <a:p>
+                      <a:pPr marL="0" marR="0">
+                        <a:lnSpc>
+                          <a:spcPct val="115000"/>
+                        </a:lnSpc>
+                        <a:spcBef>
+                          <a:spcPts val="0"/>
+                        </a:spcBef>
+                        <a:spcAft>
+                          <a:spcPts val="0"/>
+                        </a:spcAft>
+                      </a:pPr>
+                      <a:r>
+                        <a:rPr lang="en-US" sz="2000" baseline="0">
+                          <a:effectLst/>
+                        </a:rPr>
+                        <a:t>0.533</a:t>
+                      </a:r>
+                      <a:endParaRPr lang="en-US" sz="2000" baseline="0">
+                        <a:effectLst/>
+                        <a:latin typeface="Arial" panose="020B0604020202020204" pitchFamily="34" charset="0"/>
+                        <a:ea typeface="Arial" panose="020B0604020202020204" pitchFamily="34" charset="0"/>
+                      </a:endParaRPr>
+                    </a:p>
+                  </a:txBody>
+                  <a:tcPr marL="63500" marR="63500" marT="63500" marB="63500"/>
+                </a:tc>
+                <a:extLst>
+                  <a:ext uri="{0D108BD9-81ED-4DB2-BD59-A6C34878D82A}">
+                    <a16:rowId xmlns:a16="http://schemas.microsoft.com/office/drawing/2014/main" val="3187418356"/>
+                  </a:ext>
+                </a:extLst>
+              </a:tr>
+              <a:tr h="305129">
+                <a:tc>
+                  <a:txBody>
+                    <a:bodyPr/>
+                    <a:lstStyle/>
+                    <a:p>
+                      <a:pPr marL="0" marR="0">
+                        <a:lnSpc>
+                          <a:spcPct val="115000"/>
+                        </a:lnSpc>
+                        <a:spcBef>
+                          <a:spcPts val="0"/>
+                        </a:spcBef>
+                        <a:spcAft>
+                          <a:spcPts val="0"/>
+                        </a:spcAft>
+                      </a:pPr>
+                      <a:r>
+                        <a:rPr lang="en-US" sz="2000" baseline="0">
+                          <a:effectLst/>
+                        </a:rPr>
+                        <a:t>Decision Trees</a:t>
+                      </a:r>
+                      <a:endParaRPr lang="en-US" sz="2000" baseline="0">
+                        <a:effectLst/>
+                        <a:latin typeface="Arial" panose="020B0604020202020204" pitchFamily="34" charset="0"/>
+                        <a:ea typeface="Arial" panose="020B0604020202020204" pitchFamily="34" charset="0"/>
+                      </a:endParaRPr>
+                    </a:p>
+                  </a:txBody>
+                  <a:tcPr marL="63500" marR="63500" marT="63500" marB="63500"/>
+                </a:tc>
+                <a:tc>
+                  <a:txBody>
+                    <a:bodyPr/>
+                    <a:lstStyle/>
+                    <a:p>
+                      <a:pPr marL="0" marR="0">
+                        <a:lnSpc>
+                          <a:spcPct val="115000"/>
+                        </a:lnSpc>
+                        <a:spcBef>
+                          <a:spcPts val="0"/>
+                        </a:spcBef>
+                        <a:spcAft>
+                          <a:spcPts val="0"/>
+                        </a:spcAft>
+                      </a:pPr>
+                      <a:r>
+                        <a:rPr lang="en-US" sz="2000" baseline="0">
+                          <a:effectLst/>
+                        </a:rPr>
+                        <a:t>0.689</a:t>
+                      </a:r>
+                      <a:endParaRPr lang="en-US" sz="2000" baseline="0">
+                        <a:effectLst/>
+                        <a:latin typeface="Arial" panose="020B0604020202020204" pitchFamily="34" charset="0"/>
+                        <a:ea typeface="Arial" panose="020B0604020202020204" pitchFamily="34" charset="0"/>
+                      </a:endParaRPr>
+                    </a:p>
+                  </a:txBody>
+                  <a:tcPr marL="63500" marR="63500" marT="63500" marB="63500"/>
+                </a:tc>
+                <a:tc>
+                  <a:txBody>
+                    <a:bodyPr/>
+                    <a:lstStyle/>
+                    <a:p>
+                      <a:pPr marL="0" marR="0">
+                        <a:lnSpc>
+                          <a:spcPct val="115000"/>
+                        </a:lnSpc>
+                        <a:spcBef>
+                          <a:spcPts val="0"/>
+                        </a:spcBef>
+                        <a:spcAft>
+                          <a:spcPts val="0"/>
+                        </a:spcAft>
+                      </a:pPr>
+                      <a:r>
+                        <a:rPr lang="en-US" sz="2000" baseline="0" dirty="0">
+                          <a:effectLst/>
+                        </a:rPr>
+                        <a:t>0.519</a:t>
+                      </a:r>
+                      <a:endParaRPr lang="en-US" sz="2000" baseline="0" dirty="0">
+                        <a:effectLst/>
+                        <a:latin typeface="Arial" panose="020B0604020202020204" pitchFamily="34" charset="0"/>
+                        <a:ea typeface="Arial" panose="020B0604020202020204" pitchFamily="34" charset="0"/>
+                      </a:endParaRPr>
+                    </a:p>
+                  </a:txBody>
+                  <a:tcPr marL="63500" marR="63500" marT="63500" marB="63500"/>
+                </a:tc>
+                <a:extLst>
+                  <a:ext uri="{0D108BD9-81ED-4DB2-BD59-A6C34878D82A}">
+                    <a16:rowId xmlns:a16="http://schemas.microsoft.com/office/drawing/2014/main" val="2724645360"/>
+                  </a:ext>
+                </a:extLst>
+              </a:tr>
+            </a:tbl>
+          </a:graphicData>
+        </a:graphic>
+      </p:graphicFrame>
     </p:spTree>
     <p:extLst>
       <p:ext uri="{BB962C8B-B14F-4D97-AF65-F5344CB8AC3E}">
@@ -4383,7 +5881,62 @@
           <a:bodyPr/>
           <a:lstStyle/>
           <a:p>
-            <a:endParaRPr lang="en-US"/>
+            <a:r>
+              <a:rPr lang="en-US" dirty="0"/>
+              <a:t>Final results</a:t>
+            </a:r>
+          </a:p>
+          <a:p>
+            <a:pPr lvl="1"/>
+            <a:r>
+              <a:rPr lang="en-US" dirty="0"/>
+              <a:t>Symboling using linear regression - 0.637</a:t>
+            </a:r>
+          </a:p>
+          <a:p>
+            <a:pPr lvl="1"/>
+            <a:r>
+              <a:rPr lang="en-US" dirty="0"/>
+              <a:t>Riskiness using k-nearest neighbors - 0.808</a:t>
+            </a:r>
+          </a:p>
+          <a:p>
+            <a:pPr lvl="1"/>
+            <a:r>
+              <a:rPr lang="en-US" dirty="0"/>
+              <a:t>Make using decision trees - 0.689. </a:t>
+            </a:r>
+          </a:p>
+          <a:p>
+            <a:r>
+              <a:rPr lang="en-US" dirty="0"/>
+              <a:t>PCA outperformed domain-expert selection</a:t>
+            </a:r>
+          </a:p>
+          <a:p>
+            <a:r>
+              <a:rPr lang="en-US" dirty="0"/>
+              <a:t>Future Applications</a:t>
+            </a:r>
+          </a:p>
+          <a:p>
+            <a:pPr lvl="1"/>
+            <a:r>
+              <a:rPr lang="en-US" dirty="0"/>
+              <a:t>Insurance - </a:t>
+            </a:r>
+            <a:r>
+              <a:rPr lang="en-US" dirty="0" err="1"/>
+              <a:t>symboling</a:t>
+            </a:r>
+            <a:endParaRPr lang="en-US" dirty="0"/>
+          </a:p>
+          <a:p>
+            <a:pPr lvl="1"/>
+            <a:r>
+              <a:rPr lang="en-US" dirty="0"/>
+              <a:t>Consumer - riskiness</a:t>
+            </a:r>
           </a:p>
         </p:txBody>
       </p:sp>
